--- a/Docs/Neural Network and GUI.pptx
+++ b/Docs/Neural Network and GUI.pptx
@@ -4912,7 +4912,7 @@
       </p:sp>
       <p:pic>
         <p:nvPicPr>
-          <p:cNvPr id="6" name="Picture 5"/>
+          <p:cNvPr id="3" name="Picture 2"/>
           <p:cNvPicPr>
             <a:picLocks noChangeAspect="1"/>
           </p:cNvPicPr>
@@ -4932,8 +4932,8 @@
         </p:blipFill>
         <p:spPr>
           <a:xfrm>
-            <a:off x="2042033" y="1828800"/>
-            <a:ext cx="5059933" cy="4466972"/>
+            <a:off x="2149044" y="1752600"/>
+            <a:ext cx="4845911" cy="4267200"/>
           </a:xfrm>
           <a:prstGeom prst="rect">
             <a:avLst/>
